--- a/��Ŀ����ʵս/Lesson 1 ����.pptx
+++ b/��Ŀ����ʵս/Lesson 1 ����.pptx
@@ -1709,32 +1709,32 @@
     </dgm:pt>
   </dgm:ptLst>
   <dgm:cxnLst>
+    <dgm:cxn modelId="{7CB6697A-0694-4D13-9533-209C012B9DB4}" srcId="{B1C047BD-59D0-450D-97CA-C932A753B960}" destId="{38F20561-8B4A-4705-899C-AB3D35C52FF0}" srcOrd="2" destOrd="0" parTransId="{E35F94E9-F8A8-4BB8-8AC1-41A6B31CC61A}" sibTransId="{E0F46C14-4ECF-4B2B-891F-565BA45D3973}"/>
+    <dgm:cxn modelId="{56CF0ED7-35B5-4889-8EFE-D4E2B85AD9A2}" srcId="{6DD32F94-0D71-4D65-B5CB-BCE0A28D4F17}" destId="{459B51A1-C8FC-4235-890F-BA13F7BB21D1}" srcOrd="1" destOrd="0" parTransId="{99E15807-5E60-4FBD-8D96-C3CCEBC06499}" sibTransId="{01B292F7-E76D-421B-9DB4-DE3D7DB312B3}"/>
+    <dgm:cxn modelId="{C5B62DE5-1B52-4B8D-BDC8-37E2E960A4B0}" type="presOf" srcId="{5D331A6A-0D59-4E0B-BF17-26D3851D0A21}" destId="{1ABA46A8-1862-4AF4-A2B0-5CEB8C43B943}" srcOrd="1" destOrd="0" presId="urn:microsoft.com/office/officeart/2005/8/layout/target3"/>
+    <dgm:cxn modelId="{29739347-C8F7-4A9E-B74F-0D6F2D6B2423}" srcId="{B1C047BD-59D0-450D-97CA-C932A753B960}" destId="{33D67C53-13D3-435C-AD39-F519374ED66C}" srcOrd="1" destOrd="0" parTransId="{BBEC3FBC-4685-46AE-95D5-636F34B8D52E}" sibTransId="{06374F30-B6E2-4F3D-AC11-30BAFE7ACAD3}"/>
+    <dgm:cxn modelId="{21BC99C8-AA45-4F29-895A-10D24508D6E5}" srcId="{309BC306-70DB-42E1-8791-AAD3E12424A1}" destId="{5D331A6A-0D59-4E0B-BF17-26D3851D0A21}" srcOrd="0" destOrd="0" parTransId="{27111E78-0C93-4F37-8541-B954CA43BBC6}" sibTransId="{F71106B7-1F89-4185-83A1-55C1419999BC}"/>
+    <dgm:cxn modelId="{CCE89179-E9BF-4CBB-8016-BF057858706E}" type="presOf" srcId="{B1C047BD-59D0-450D-97CA-C932A753B960}" destId="{CABC48BC-9D26-49FF-B4FB-228ED8BD1BE6}" srcOrd="0" destOrd="0" presId="urn:microsoft.com/office/officeart/2005/8/layout/target3"/>
+    <dgm:cxn modelId="{183E5CE6-FE5B-4924-B719-53192692723A}" type="presOf" srcId="{5D331A6A-0D59-4E0B-BF17-26D3851D0A21}" destId="{4845AD73-6C4D-46D5-91BC-413972154F4E}" srcOrd="0" destOrd="0" presId="urn:microsoft.com/office/officeart/2005/8/layout/target3"/>
+    <dgm:cxn modelId="{CD0EAFEC-F954-487A-BF9A-D114158712DB}" type="presOf" srcId="{6DD32F94-0D71-4D65-B5CB-BCE0A28D4F17}" destId="{5DEF9A4D-674B-4FA2-90A8-B4A01CA98C2E}" srcOrd="0" destOrd="0" presId="urn:microsoft.com/office/officeart/2005/8/layout/target3"/>
+    <dgm:cxn modelId="{661D1310-ED1E-424E-B2C3-6AFA44C17DE9}" type="presOf" srcId="{B1C047BD-59D0-450D-97CA-C932A753B960}" destId="{FC229A73-FE92-4338-8A26-D4CF41DE20C3}" srcOrd="1" destOrd="0" presId="urn:microsoft.com/office/officeart/2005/8/layout/target3"/>
+    <dgm:cxn modelId="{299D93E9-0BBF-4192-99F8-F274D0234F1A}" srcId="{B1C047BD-59D0-450D-97CA-C932A753B960}" destId="{9407EFEE-9D63-48C1-90DD-FBBD425CE724}" srcOrd="3" destOrd="0" parTransId="{604C7451-B9BF-48A9-B26B-1E239A87CA44}" sibTransId="{5C5E4EDD-7C67-4BDD-A74D-30E42444C28D}"/>
     <dgm:cxn modelId="{38034561-2B66-40FE-A60E-5FB53D189CAA}" type="presOf" srcId="{309BC306-70DB-42E1-8791-AAD3E12424A1}" destId="{4C327184-55D7-4B91-9854-6117E636318A}" srcOrd="0" destOrd="0" presId="urn:microsoft.com/office/officeart/2005/8/layout/target3"/>
+    <dgm:cxn modelId="{DD1B3D12-B078-423B-AC79-FB8E2C0DFC31}" type="presOf" srcId="{B3FE8DBA-D229-4611-BEAC-9DF2018FE413}" destId="{C7F068C1-F7F6-4382-9E58-1078F7DBEFA7}" srcOrd="0" destOrd="0" presId="urn:microsoft.com/office/officeart/2005/8/layout/target3"/>
+    <dgm:cxn modelId="{A79A406C-A4F9-4318-8049-DFDEB629B540}" type="presOf" srcId="{BEF01B7A-5163-4084-9C40-C5502B7DDA65}" destId="{10AFB107-23D4-4EC3-835B-7991101E72C6}" srcOrd="0" destOrd="0" presId="urn:microsoft.com/office/officeart/2005/8/layout/target3"/>
+    <dgm:cxn modelId="{08ADC9E3-9B92-410C-A4C0-2BF9CD313FD0}" type="presOf" srcId="{3F542611-1264-4720-8701-626BF48A3F34}" destId="{314DA371-6FA8-4A62-B9A7-8B64F18EF937}" srcOrd="0" destOrd="0" presId="urn:microsoft.com/office/officeart/2005/8/layout/target3"/>
+    <dgm:cxn modelId="{45CE3D74-5356-4D41-A221-98C87F45E54D}" type="presOf" srcId="{459B51A1-C8FC-4235-890F-BA13F7BB21D1}" destId="{10AFB107-23D4-4EC3-835B-7991101E72C6}" srcOrd="0" destOrd="1" presId="urn:microsoft.com/office/officeart/2005/8/layout/target3"/>
+    <dgm:cxn modelId="{7F729E03-CFA0-4F3E-8CA9-1B8A7FBE67F7}" srcId="{309BC306-70DB-42E1-8791-AAD3E12424A1}" destId="{B1C047BD-59D0-450D-97CA-C932A753B960}" srcOrd="2" destOrd="0" parTransId="{C56AE20C-43FD-4E4C-ABCD-A733E9FA0855}" sibTransId="{FE069A96-DA35-4B60-A0F1-2940197943A7}"/>
+    <dgm:cxn modelId="{6599FEAB-89BF-44A0-8F65-0AD6ADC60800}" srcId="{5D331A6A-0D59-4E0B-BF17-26D3851D0A21}" destId="{B3FE8DBA-D229-4611-BEAC-9DF2018FE413}" srcOrd="0" destOrd="0" parTransId="{BCC8093E-3882-467F-A272-DD9ACFC417A5}" sibTransId="{26C4A932-20A3-4DA5-814A-820E9CD5114B}"/>
+    <dgm:cxn modelId="{5BEBF27D-B8BB-40FB-8B64-4149206729C4}" type="presOf" srcId="{38F20561-8B4A-4705-899C-AB3D35C52FF0}" destId="{314DA371-6FA8-4A62-B9A7-8B64F18EF937}" srcOrd="0" destOrd="2" presId="urn:microsoft.com/office/officeart/2005/8/layout/target3"/>
+    <dgm:cxn modelId="{4FC66D0F-2202-4187-A4F8-2176008F81A2}" type="presOf" srcId="{6DD32F94-0D71-4D65-B5CB-BCE0A28D4F17}" destId="{D1592EE5-6596-4501-BBFE-10D32186D4DE}" srcOrd="1" destOrd="0" presId="urn:microsoft.com/office/officeart/2005/8/layout/target3"/>
+    <dgm:cxn modelId="{2D9E2EA4-E554-43C6-95E2-524946A34B3A}" type="presOf" srcId="{9407EFEE-9D63-48C1-90DD-FBBD425CE724}" destId="{314DA371-6FA8-4A62-B9A7-8B64F18EF937}" srcOrd="0" destOrd="3" presId="urn:microsoft.com/office/officeart/2005/8/layout/target3"/>
     <dgm:cxn modelId="{88903656-BC5A-4B66-8720-034268D9CC1B}" srcId="{6DD32F94-0D71-4D65-B5CB-BCE0A28D4F17}" destId="{BEF01B7A-5163-4084-9C40-C5502B7DDA65}" srcOrd="0" destOrd="0" parTransId="{77C3CBD3-0A01-4F97-AFBE-3EC7268287F8}" sibTransId="{2E564E8A-2938-4D0F-8EBD-3F019B40C002}"/>
-    <dgm:cxn modelId="{C5B62DE5-1B52-4B8D-BDC8-37E2E960A4B0}" type="presOf" srcId="{5D331A6A-0D59-4E0B-BF17-26D3851D0A21}" destId="{1ABA46A8-1862-4AF4-A2B0-5CEB8C43B943}" srcOrd="1" destOrd="0" presId="urn:microsoft.com/office/officeart/2005/8/layout/target3"/>
-    <dgm:cxn modelId="{4FC66D0F-2202-4187-A4F8-2176008F81A2}" type="presOf" srcId="{6DD32F94-0D71-4D65-B5CB-BCE0A28D4F17}" destId="{D1592EE5-6596-4501-BBFE-10D32186D4DE}" srcOrd="1" destOrd="0" presId="urn:microsoft.com/office/officeart/2005/8/layout/target3"/>
+    <dgm:cxn modelId="{5A003D09-0186-431E-A637-2D979B971B76}" srcId="{5D331A6A-0D59-4E0B-BF17-26D3851D0A21}" destId="{4F1A8F8C-242A-456D-9943-87CF804F9F8A}" srcOrd="1" destOrd="0" parTransId="{A6B010C7-74DA-456B-8B2D-8A03A845A16D}" sibTransId="{CE6C8181-A693-4A12-B86E-30CE4759BAC4}"/>
+    <dgm:cxn modelId="{4628305D-C30C-4466-A72C-EEDB81A80EBA}" type="presOf" srcId="{4F1A8F8C-242A-456D-9943-87CF804F9F8A}" destId="{C7F068C1-F7F6-4382-9E58-1078F7DBEFA7}" srcOrd="0" destOrd="1" presId="urn:microsoft.com/office/officeart/2005/8/layout/target3"/>
+    <dgm:cxn modelId="{F55F9178-79C6-417B-B804-E8BFE621F45D}" srcId="{309BC306-70DB-42E1-8791-AAD3E12424A1}" destId="{6DD32F94-0D71-4D65-B5CB-BCE0A28D4F17}" srcOrd="1" destOrd="0" parTransId="{77D7B8CB-0B4E-4D1F-9013-699EB0153AA4}" sibTransId="{BBDCA151-381F-40FE-AB4E-E66FBE39C1D4}"/>
+    <dgm:cxn modelId="{55AFF5AD-33DD-4FBD-8AE4-169AD3412C4C}" srcId="{B1C047BD-59D0-450D-97CA-C932A753B960}" destId="{3F542611-1264-4720-8701-626BF48A3F34}" srcOrd="0" destOrd="0" parTransId="{D514FD92-3B75-4D5C-9204-8BF7F70A90A8}" sibTransId="{A8DCF922-A76C-4487-AE0E-42A47013B4A4}"/>
     <dgm:cxn modelId="{019D25A3-E570-4239-8DDB-EFC7456CCFED}" type="presOf" srcId="{33D67C53-13D3-435C-AD39-F519374ED66C}" destId="{314DA371-6FA8-4A62-B9A7-8B64F18EF937}" srcOrd="0" destOrd="1" presId="urn:microsoft.com/office/officeart/2005/8/layout/target3"/>
-    <dgm:cxn modelId="{183E5CE6-FE5B-4924-B719-53192692723A}" type="presOf" srcId="{5D331A6A-0D59-4E0B-BF17-26D3851D0A21}" destId="{4845AD73-6C4D-46D5-91BC-413972154F4E}" srcOrd="0" destOrd="0" presId="urn:microsoft.com/office/officeart/2005/8/layout/target3"/>
-    <dgm:cxn modelId="{A79A406C-A4F9-4318-8049-DFDEB629B540}" type="presOf" srcId="{BEF01B7A-5163-4084-9C40-C5502B7DDA65}" destId="{10AFB107-23D4-4EC3-835B-7991101E72C6}" srcOrd="0" destOrd="0" presId="urn:microsoft.com/office/officeart/2005/8/layout/target3"/>
-    <dgm:cxn modelId="{6599FEAB-89BF-44A0-8F65-0AD6ADC60800}" srcId="{5D331A6A-0D59-4E0B-BF17-26D3851D0A21}" destId="{B3FE8DBA-D229-4611-BEAC-9DF2018FE413}" srcOrd="0" destOrd="0" parTransId="{BCC8093E-3882-467F-A272-DD9ACFC417A5}" sibTransId="{26C4A932-20A3-4DA5-814A-820E9CD5114B}"/>
-    <dgm:cxn modelId="{4628305D-C30C-4466-A72C-EEDB81A80EBA}" type="presOf" srcId="{4F1A8F8C-242A-456D-9943-87CF804F9F8A}" destId="{C7F068C1-F7F6-4382-9E58-1078F7DBEFA7}" srcOrd="0" destOrd="1" presId="urn:microsoft.com/office/officeart/2005/8/layout/target3"/>
-    <dgm:cxn modelId="{661D1310-ED1E-424E-B2C3-6AFA44C17DE9}" type="presOf" srcId="{B1C047BD-59D0-450D-97CA-C932A753B960}" destId="{FC229A73-FE92-4338-8A26-D4CF41DE20C3}" srcOrd="1" destOrd="0" presId="urn:microsoft.com/office/officeart/2005/8/layout/target3"/>
-    <dgm:cxn modelId="{7F729E03-CFA0-4F3E-8CA9-1B8A7FBE67F7}" srcId="{309BC306-70DB-42E1-8791-AAD3E12424A1}" destId="{B1C047BD-59D0-450D-97CA-C932A753B960}" srcOrd="2" destOrd="0" parTransId="{C56AE20C-43FD-4E4C-ABCD-A733E9FA0855}" sibTransId="{FE069A96-DA35-4B60-A0F1-2940197943A7}"/>
-    <dgm:cxn modelId="{7CB6697A-0694-4D13-9533-209C012B9DB4}" srcId="{B1C047BD-59D0-450D-97CA-C932A753B960}" destId="{38F20561-8B4A-4705-899C-AB3D35C52FF0}" srcOrd="2" destOrd="0" parTransId="{E35F94E9-F8A8-4BB8-8AC1-41A6B31CC61A}" sibTransId="{E0F46C14-4ECF-4B2B-891F-565BA45D3973}"/>
-    <dgm:cxn modelId="{CD0EAFEC-F954-487A-BF9A-D114158712DB}" type="presOf" srcId="{6DD32F94-0D71-4D65-B5CB-BCE0A28D4F17}" destId="{5DEF9A4D-674B-4FA2-90A8-B4A01CA98C2E}" srcOrd="0" destOrd="0" presId="urn:microsoft.com/office/officeart/2005/8/layout/target3"/>
-    <dgm:cxn modelId="{21BC99C8-AA45-4F29-895A-10D24508D6E5}" srcId="{309BC306-70DB-42E1-8791-AAD3E12424A1}" destId="{5D331A6A-0D59-4E0B-BF17-26D3851D0A21}" srcOrd="0" destOrd="0" parTransId="{27111E78-0C93-4F37-8541-B954CA43BBC6}" sibTransId="{F71106B7-1F89-4185-83A1-55C1419999BC}"/>
-    <dgm:cxn modelId="{29739347-C8F7-4A9E-B74F-0D6F2D6B2423}" srcId="{B1C047BD-59D0-450D-97CA-C932A753B960}" destId="{33D67C53-13D3-435C-AD39-F519374ED66C}" srcOrd="1" destOrd="0" parTransId="{BBEC3FBC-4685-46AE-95D5-636F34B8D52E}" sibTransId="{06374F30-B6E2-4F3D-AC11-30BAFE7ACAD3}"/>
-    <dgm:cxn modelId="{299D93E9-0BBF-4192-99F8-F274D0234F1A}" srcId="{B1C047BD-59D0-450D-97CA-C932A753B960}" destId="{9407EFEE-9D63-48C1-90DD-FBBD425CE724}" srcOrd="3" destOrd="0" parTransId="{604C7451-B9BF-48A9-B26B-1E239A87CA44}" sibTransId="{5C5E4EDD-7C67-4BDD-A74D-30E42444C28D}"/>
-    <dgm:cxn modelId="{56CF0ED7-35B5-4889-8EFE-D4E2B85AD9A2}" srcId="{6DD32F94-0D71-4D65-B5CB-BCE0A28D4F17}" destId="{459B51A1-C8FC-4235-890F-BA13F7BB21D1}" srcOrd="1" destOrd="0" parTransId="{99E15807-5E60-4FBD-8D96-C3CCEBC06499}" sibTransId="{01B292F7-E76D-421B-9DB4-DE3D7DB312B3}"/>
-    <dgm:cxn modelId="{5BEBF27D-B8BB-40FB-8B64-4149206729C4}" type="presOf" srcId="{38F20561-8B4A-4705-899C-AB3D35C52FF0}" destId="{314DA371-6FA8-4A62-B9A7-8B64F18EF937}" srcOrd="0" destOrd="2" presId="urn:microsoft.com/office/officeart/2005/8/layout/target3"/>
-    <dgm:cxn modelId="{5A003D09-0186-431E-A637-2D979B971B76}" srcId="{5D331A6A-0D59-4E0B-BF17-26D3851D0A21}" destId="{4F1A8F8C-242A-456D-9943-87CF804F9F8A}" srcOrd="1" destOrd="0" parTransId="{A6B010C7-74DA-456B-8B2D-8A03A845A16D}" sibTransId="{CE6C8181-A693-4A12-B86E-30CE4759BAC4}"/>
-    <dgm:cxn modelId="{2D9E2EA4-E554-43C6-95E2-524946A34B3A}" type="presOf" srcId="{9407EFEE-9D63-48C1-90DD-FBBD425CE724}" destId="{314DA371-6FA8-4A62-B9A7-8B64F18EF937}" srcOrd="0" destOrd="3" presId="urn:microsoft.com/office/officeart/2005/8/layout/target3"/>
-    <dgm:cxn modelId="{55AFF5AD-33DD-4FBD-8AE4-169AD3412C4C}" srcId="{B1C047BD-59D0-450D-97CA-C932A753B960}" destId="{3F542611-1264-4720-8701-626BF48A3F34}" srcOrd="0" destOrd="0" parTransId="{D514FD92-3B75-4D5C-9204-8BF7F70A90A8}" sibTransId="{A8DCF922-A76C-4487-AE0E-42A47013B4A4}"/>
-    <dgm:cxn modelId="{45CE3D74-5356-4D41-A221-98C87F45E54D}" type="presOf" srcId="{459B51A1-C8FC-4235-890F-BA13F7BB21D1}" destId="{10AFB107-23D4-4EC3-835B-7991101E72C6}" srcOrd="0" destOrd="1" presId="urn:microsoft.com/office/officeart/2005/8/layout/target3"/>
-    <dgm:cxn modelId="{F55F9178-79C6-417B-B804-E8BFE621F45D}" srcId="{309BC306-70DB-42E1-8791-AAD3E12424A1}" destId="{6DD32F94-0D71-4D65-B5CB-BCE0A28D4F17}" srcOrd="1" destOrd="0" parTransId="{77D7B8CB-0B4E-4D1F-9013-699EB0153AA4}" sibTransId="{BBDCA151-381F-40FE-AB4E-E66FBE39C1D4}"/>
-    <dgm:cxn modelId="{08ADC9E3-9B92-410C-A4C0-2BF9CD313FD0}" type="presOf" srcId="{3F542611-1264-4720-8701-626BF48A3F34}" destId="{314DA371-6FA8-4A62-B9A7-8B64F18EF937}" srcOrd="0" destOrd="0" presId="urn:microsoft.com/office/officeart/2005/8/layout/target3"/>
-    <dgm:cxn modelId="{DD1B3D12-B078-423B-AC79-FB8E2C0DFC31}" type="presOf" srcId="{B3FE8DBA-D229-4611-BEAC-9DF2018FE413}" destId="{C7F068C1-F7F6-4382-9E58-1078F7DBEFA7}" srcOrd="0" destOrd="0" presId="urn:microsoft.com/office/officeart/2005/8/layout/target3"/>
-    <dgm:cxn modelId="{CCE89179-E9BF-4CBB-8016-BF057858706E}" type="presOf" srcId="{B1C047BD-59D0-450D-97CA-C932A753B960}" destId="{CABC48BC-9D26-49FF-B4FB-228ED8BD1BE6}" srcOrd="0" destOrd="0" presId="urn:microsoft.com/office/officeart/2005/8/layout/target3"/>
     <dgm:cxn modelId="{11D0AD2D-FCCE-4507-BA93-D8805050CC27}" type="presParOf" srcId="{4C327184-55D7-4B91-9854-6117E636318A}" destId="{91CAED10-1D23-47C1-87E8-51D452987B45}" srcOrd="0" destOrd="0" presId="urn:microsoft.com/office/officeart/2005/8/layout/target3"/>
     <dgm:cxn modelId="{9C2D6005-36CC-465D-B80A-D320C8F09C3B}" type="presParOf" srcId="{4C327184-55D7-4B91-9854-6117E636318A}" destId="{513C4947-28A9-4B0A-9CEF-DDAEBF3197E0}" srcOrd="1" destOrd="0" presId="urn:microsoft.com/office/officeart/2005/8/layout/target3"/>
     <dgm:cxn modelId="{CC029419-0B60-4FCD-B733-4EE993A39D45}" type="presParOf" srcId="{4C327184-55D7-4B91-9854-6117E636318A}" destId="{4845AD73-6C4D-46D5-91BC-413972154F4E}" srcOrd="2" destOrd="0" presId="urn:microsoft.com/office/officeart/2005/8/layout/target3"/>
@@ -6136,7 +6136,7 @@
           <a:p>
             <a:fld id="{8B2801E3-CA6A-4A79-87E4-A028D49854B5}" type="datetimeFigureOut">
               <a:rPr lang="zh-CN" altLang="en-US" smtClean="0"/>
-              <a:t>2011/7/27</a:t>
+              <a:t>2012/2/12</a:t>
             </a:fld>
             <a:endParaRPr lang="zh-CN" altLang="en-US"/>
           </a:p>
@@ -6904,7 +6904,7 @@
           <a:p>
             <a:fld id="{530820CF-B880-4189-942D-D702A7CBA730}" type="datetimeFigureOut">
               <a:rPr lang="zh-CN" altLang="en-US" smtClean="0"/>
-              <a:t>2011/7/27</a:t>
+              <a:t>2012/2/12</a:t>
             </a:fld>
             <a:endParaRPr lang="zh-CN" altLang="en-US"/>
           </a:p>
@@ -7137,7 +7137,7 @@
           <a:p>
             <a:fld id="{530820CF-B880-4189-942D-D702A7CBA730}" type="datetimeFigureOut">
               <a:rPr lang="zh-CN" altLang="en-US" smtClean="0"/>
-              <a:t>2011/7/27</a:t>
+              <a:t>2012/2/12</a:t>
             </a:fld>
             <a:endParaRPr lang="zh-CN" altLang="en-US"/>
           </a:p>
@@ -7375,7 +7375,7 @@
           <a:p>
             <a:fld id="{530820CF-B880-4189-942D-D702A7CBA730}" type="datetimeFigureOut">
               <a:rPr lang="zh-CN" altLang="en-US" smtClean="0"/>
-              <a:t>2011/7/27</a:t>
+              <a:t>2012/2/12</a:t>
             </a:fld>
             <a:endParaRPr lang="zh-CN" altLang="en-US"/>
           </a:p>
@@ -7710,7 +7710,7 @@
           <a:p>
             <a:fld id="{530820CF-B880-4189-942D-D702A7CBA730}" type="datetimeFigureOut">
               <a:rPr lang="zh-CN" altLang="en-US" smtClean="0"/>
-              <a:t>2011/7/27</a:t>
+              <a:t>2012/2/12</a:t>
             </a:fld>
             <a:endParaRPr lang="zh-CN" altLang="en-US"/>
           </a:p>
@@ -7963,7 +7963,7 @@
           <a:p>
             <a:fld id="{530820CF-B880-4189-942D-D702A7CBA730}" type="datetimeFigureOut">
               <a:rPr lang="zh-CN" altLang="en-US" smtClean="0"/>
-              <a:t>2011/7/27</a:t>
+              <a:t>2012/2/12</a:t>
             </a:fld>
             <a:endParaRPr lang="zh-CN" altLang="en-US"/>
           </a:p>
@@ -8328,7 +8328,7 @@
           <a:p>
             <a:fld id="{530820CF-B880-4189-942D-D702A7CBA730}" type="datetimeFigureOut">
               <a:rPr lang="zh-CN" altLang="en-US" smtClean="0"/>
-              <a:t>2011/7/27</a:t>
+              <a:t>2012/2/12</a:t>
             </a:fld>
             <a:endParaRPr lang="zh-CN" altLang="en-US"/>
           </a:p>
@@ -8871,7 +8871,7 @@
           <a:p>
             <a:fld id="{530820CF-B880-4189-942D-D702A7CBA730}" type="datetimeFigureOut">
               <a:rPr lang="zh-CN" altLang="en-US" smtClean="0"/>
-              <a:t>2011/7/27</a:t>
+              <a:t>2012/2/12</a:t>
             </a:fld>
             <a:endParaRPr lang="zh-CN" altLang="en-US"/>
           </a:p>
@@ -8996,7 +8996,7 @@
           <a:p>
             <a:fld id="{530820CF-B880-4189-942D-D702A7CBA730}" type="datetimeFigureOut">
               <a:rPr lang="zh-CN" altLang="en-US" smtClean="0"/>
-              <a:t>2011/7/27</a:t>
+              <a:t>2012/2/12</a:t>
             </a:fld>
             <a:endParaRPr lang="zh-CN" altLang="en-US"/>
           </a:p>
@@ -9098,7 +9098,7 @@
           <a:p>
             <a:fld id="{530820CF-B880-4189-942D-D702A7CBA730}" type="datetimeFigureOut">
               <a:rPr lang="zh-CN" altLang="en-US" smtClean="0"/>
-              <a:t>2011/7/27</a:t>
+              <a:t>2012/2/12</a:t>
             </a:fld>
             <a:endParaRPr lang="zh-CN" altLang="en-US"/>
           </a:p>
@@ -9431,7 +9431,7 @@
           <a:p>
             <a:fld id="{530820CF-B880-4189-942D-D702A7CBA730}" type="datetimeFigureOut">
               <a:rPr lang="zh-CN" altLang="en-US" smtClean="0"/>
-              <a:t>2011/7/27</a:t>
+              <a:t>2012/2/12</a:t>
             </a:fld>
             <a:endParaRPr lang="zh-CN" altLang="en-US"/>
           </a:p>
@@ -9702,7 +9702,7 @@
           <a:p>
             <a:fld id="{530820CF-B880-4189-942D-D702A7CBA730}" type="datetimeFigureOut">
               <a:rPr lang="zh-CN" altLang="en-US" smtClean="0"/>
-              <a:t>2011/7/27</a:t>
+              <a:t>2012/2/12</a:t>
             </a:fld>
             <a:endParaRPr lang="zh-CN" altLang="en-US"/>
           </a:p>
@@ -10139,7 +10139,7 @@
           <a:p>
             <a:fld id="{530820CF-B880-4189-942D-D702A7CBA730}" type="datetimeFigureOut">
               <a:rPr lang="zh-CN" altLang="en-US" smtClean="0"/>
-              <a:t>2011/7/27</a:t>
+              <a:t>2012/2/12</a:t>
             </a:fld>
             <a:endParaRPr lang="zh-CN" altLang="en-US"/>
           </a:p>
@@ -16478,33 +16478,190 @@
           <a:p>
             <a:r>
               <a:rPr lang="zh-CN" altLang="en-US" dirty="0"/>
-              <a:t>是准时发布高质量的、全面符合客户需求的产品的总负责人</a:t>
+              <a:t>是</a:t>
+            </a:r>
+            <a:r>
+              <a:rPr lang="zh-CN" altLang="en-US" dirty="0">
+                <a:solidFill>
+                  <a:srgbClr val="C00000"/>
+                </a:solidFill>
+              </a:rPr>
+              <a:t>准时</a:t>
+            </a:r>
+            <a:r>
+              <a:rPr lang="zh-CN" altLang="en-US" dirty="0"/>
+              <a:t>发布</a:t>
+            </a:r>
+            <a:r>
+              <a:rPr lang="zh-CN" altLang="en-US" dirty="0">
+                <a:solidFill>
+                  <a:srgbClr val="C00000"/>
+                </a:solidFill>
+              </a:rPr>
+              <a:t>高质量</a:t>
+            </a:r>
+            <a:r>
+              <a:rPr lang="zh-CN" altLang="en-US" dirty="0"/>
+              <a:t>的、</a:t>
+            </a:r>
+            <a:r>
+              <a:rPr lang="zh-CN" altLang="en-US" dirty="0">
+                <a:solidFill>
+                  <a:srgbClr val="C00000"/>
+                </a:solidFill>
+              </a:rPr>
+              <a:t>全面符合</a:t>
+            </a:r>
+            <a:r>
+              <a:rPr lang="zh-CN" altLang="en-US" dirty="0"/>
+              <a:t>客户需求的</a:t>
+            </a:r>
+            <a:r>
+              <a:rPr lang="zh-CN" altLang="en-US" dirty="0">
+                <a:solidFill>
+                  <a:srgbClr val="C00000"/>
+                </a:solidFill>
+              </a:rPr>
+              <a:t>产品</a:t>
+            </a:r>
+            <a:r>
+              <a:rPr lang="zh-CN" altLang="en-US" dirty="0"/>
+              <a:t>的</a:t>
+            </a:r>
+            <a:r>
+              <a:rPr lang="zh-CN" altLang="en-US" dirty="0">
+                <a:solidFill>
+                  <a:srgbClr val="C00000"/>
+                </a:solidFill>
+              </a:rPr>
+              <a:t>总负责人</a:t>
+            </a:r>
+            <a:endParaRPr lang="en-US" altLang="zh-CN" dirty="0">
+              <a:solidFill>
+                <a:srgbClr val="C00000"/>
+              </a:solidFill>
+            </a:endParaRPr>
+          </a:p>
+          <a:p>
+            <a:r>
+              <a:rPr lang="zh-CN" altLang="en-US" dirty="0"/>
+              <a:t>需要具备</a:t>
+            </a:r>
+            <a:r>
+              <a:rPr lang="zh-CN" altLang="en-US" dirty="0">
+                <a:solidFill>
+                  <a:srgbClr val="C00000"/>
+                </a:solidFill>
+              </a:rPr>
+              <a:t>综合</a:t>
+            </a:r>
+            <a:r>
+              <a:rPr lang="zh-CN" altLang="en-US" dirty="0"/>
+              <a:t>的管理能力；但又是</a:t>
+            </a:r>
+            <a:r>
+              <a:rPr lang="zh-CN" altLang="en-US" dirty="0">
+                <a:solidFill>
+                  <a:srgbClr val="C00000"/>
+                </a:solidFill>
+              </a:rPr>
+              <a:t>没有权威</a:t>
+            </a:r>
+            <a:r>
+              <a:rPr lang="zh-CN" altLang="en-US" dirty="0"/>
+              <a:t>的领导者</a:t>
             </a:r>
             <a:endParaRPr lang="en-US" altLang="zh-CN" dirty="0"/>
           </a:p>
           <a:p>
             <a:r>
+              <a:rPr lang="zh-CN" altLang="en-US" dirty="0" smtClean="0"/>
+              <a:t>具有</a:t>
+            </a:r>
+            <a:r>
+              <a:rPr lang="zh-CN" altLang="en-US" dirty="0" smtClean="0">
+                <a:solidFill>
+                  <a:srgbClr val="C00000"/>
+                </a:solidFill>
+              </a:rPr>
+              <a:t>项目管理</a:t>
+            </a:r>
+            <a:r>
+              <a:rPr lang="zh-CN" altLang="en-US" dirty="0" smtClean="0"/>
+              <a:t>和</a:t>
+            </a:r>
+            <a:r>
+              <a:rPr lang="zh-CN" altLang="en-US" dirty="0" smtClean="0">
+                <a:solidFill>
+                  <a:srgbClr val="C00000"/>
+                </a:solidFill>
+              </a:rPr>
+              <a:t>架构师</a:t>
+            </a:r>
+            <a:r>
+              <a:rPr lang="zh-CN" altLang="en-US" dirty="0" smtClean="0"/>
+              <a:t>双重身份</a:t>
+            </a:r>
+            <a:endParaRPr lang="en-US" altLang="zh-CN" dirty="0" smtClean="0"/>
+          </a:p>
+          <a:p>
+            <a:r>
+              <a:rPr lang="en-US" altLang="zh-CN" dirty="0" smtClean="0"/>
+              <a:t>“</a:t>
+            </a:r>
+            <a:r>
+              <a:rPr lang="zh-CN" altLang="en-US" dirty="0" smtClean="0"/>
+              <a:t>程序管理是把</a:t>
+            </a:r>
+            <a:r>
               <a:rPr lang="zh-CN" altLang="en-US" dirty="0"/>
-              <a:t>需要具备综合的管理能力；但又是没有权威的领导者</a:t>
-            </a:r>
-            <a:endParaRPr lang="en-US" altLang="zh-CN" dirty="0"/>
-          </a:p>
-          <a:p>
+              <a:t>用户</a:t>
+            </a:r>
+            <a:r>
+              <a:rPr lang="zh-CN" altLang="en-US" dirty="0">
+                <a:solidFill>
+                  <a:srgbClr val="C00000"/>
+                </a:solidFill>
+              </a:rPr>
+              <a:t>需求</a:t>
+            </a:r>
+            <a:r>
+              <a:rPr lang="zh-CN" altLang="en-US" dirty="0"/>
+              <a:t>转换成产品</a:t>
+            </a:r>
+            <a:r>
+              <a:rPr lang="zh-CN" altLang="en-US" dirty="0">
+                <a:solidFill>
+                  <a:srgbClr val="C00000"/>
+                </a:solidFill>
+              </a:rPr>
+              <a:t>功能</a:t>
+            </a:r>
+            <a:r>
+              <a:rPr lang="zh-CN" altLang="en-US" dirty="0"/>
+              <a:t>并负责从头到尾的技术</a:t>
+            </a:r>
+            <a:r>
+              <a:rPr lang="zh-CN" altLang="en-US" dirty="0">
+                <a:solidFill>
+                  <a:srgbClr val="C00000"/>
+                </a:solidFill>
+              </a:rPr>
+              <a:t>开</a:t>
+            </a:r>
+            <a:r>
+              <a:rPr lang="zh-CN" altLang="en-US" dirty="0" smtClean="0">
+                <a:solidFill>
+                  <a:srgbClr val="C00000"/>
+                </a:solidFill>
+              </a:rPr>
+              <a:t>发</a:t>
+            </a:r>
             <a:r>
               <a:rPr lang="zh-CN" altLang="en-US" dirty="0" smtClean="0"/>
-              <a:t>具有项目管理和架构师双重身份</a:t>
-            </a:r>
-            <a:endParaRPr lang="en-US" altLang="zh-CN" dirty="0" smtClean="0"/>
-          </a:p>
-          <a:p>
-            <a:r>
-              <a:rPr lang="en-US" altLang="zh-CN" dirty="0"/>
-              <a:t>“</a:t>
-            </a:r>
-            <a:r>
-              <a:rPr lang="zh-CN" altLang="en-US" dirty="0"/>
-              <a:t>项目经理把用户需求转换成产品功能并负责从头到尾的技术开发。”</a:t>
-            </a:r>
+              <a:t>。”</a:t>
+            </a:r>
+            <a:endParaRPr lang="zh-CN" altLang="en-US" dirty="0"/>
           </a:p>
           <a:p>
             <a:endParaRPr lang="zh-CN" altLang="en-US" dirty="0"/>
@@ -17109,20 +17266,128 @@
           <a:p>
             <a:r>
               <a:rPr lang="zh-CN" altLang="en-US" sz="2800" dirty="0"/>
-              <a:t>对软件产品开发充满激情，有领导力并有责任感</a:t>
-            </a:r>
-            <a:endParaRPr lang="en-US" altLang="zh-CN" sz="2800" dirty="0"/>
-          </a:p>
-          <a:p>
+              <a:t>对软件产品开发</a:t>
+            </a:r>
+            <a:r>
+              <a:rPr lang="zh-CN" altLang="en-US" sz="2800" dirty="0">
+                <a:solidFill>
+                  <a:srgbClr val="C00000"/>
+                </a:solidFill>
+              </a:rPr>
+              <a:t>充满激情</a:t>
+            </a:r>
             <a:r>
               <a:rPr lang="zh-CN" altLang="en-US" sz="2800" dirty="0"/>
-              <a:t>对设计有很强的兴趣，对技术有敏锐的认识</a:t>
-            </a:r>
-          </a:p>
-          <a:p>
+              <a:t>，有</a:t>
+            </a:r>
+            <a:r>
+              <a:rPr lang="zh-CN" altLang="en-US" sz="2800" dirty="0">
+                <a:solidFill>
+                  <a:srgbClr val="C00000"/>
+                </a:solidFill>
+              </a:rPr>
+              <a:t>领导力</a:t>
+            </a:r>
             <a:r>
               <a:rPr lang="zh-CN" altLang="en-US" sz="2800" dirty="0"/>
-              <a:t>对时间和计划有敏锐的感知，能够跟踪和排列复杂任务的优先级</a:t>
+              <a:t>并有</a:t>
+            </a:r>
+            <a:r>
+              <a:rPr lang="zh-CN" altLang="en-US" sz="2800" dirty="0">
+                <a:solidFill>
+                  <a:srgbClr val="C00000"/>
+                </a:solidFill>
+              </a:rPr>
+              <a:t>责任感</a:t>
+            </a:r>
+            <a:endParaRPr lang="en-US" altLang="zh-CN" sz="2800" dirty="0">
+              <a:solidFill>
+                <a:srgbClr val="C00000"/>
+              </a:solidFill>
+            </a:endParaRPr>
+          </a:p>
+          <a:p>
+            <a:r>
+              <a:rPr lang="zh-CN" altLang="en-US" sz="2800" dirty="0"/>
+              <a:t>对</a:t>
+            </a:r>
+            <a:r>
+              <a:rPr lang="zh-CN" altLang="en-US" sz="2800" dirty="0">
+                <a:solidFill>
+                  <a:srgbClr val="C00000"/>
+                </a:solidFill>
+              </a:rPr>
+              <a:t>设计</a:t>
+            </a:r>
+            <a:r>
+              <a:rPr lang="zh-CN" altLang="en-US" sz="2800" dirty="0"/>
+              <a:t>有很强的</a:t>
+            </a:r>
+            <a:r>
+              <a:rPr lang="zh-CN" altLang="en-US" sz="2800" dirty="0">
+                <a:solidFill>
+                  <a:srgbClr val="C00000"/>
+                </a:solidFill>
+              </a:rPr>
+              <a:t>兴趣</a:t>
+            </a:r>
+            <a:r>
+              <a:rPr lang="zh-CN" altLang="en-US" sz="2800" dirty="0"/>
+              <a:t>，对</a:t>
+            </a:r>
+            <a:r>
+              <a:rPr lang="zh-CN" altLang="en-US" sz="2800" dirty="0">
+                <a:solidFill>
+                  <a:srgbClr val="C00000"/>
+                </a:solidFill>
+              </a:rPr>
+              <a:t>技术</a:t>
+            </a:r>
+            <a:r>
+              <a:rPr lang="zh-CN" altLang="en-US" sz="2800" dirty="0"/>
+              <a:t>有</a:t>
+            </a:r>
+            <a:r>
+              <a:rPr lang="zh-CN" altLang="en-US" sz="2800" dirty="0">
+                <a:solidFill>
+                  <a:srgbClr val="C00000"/>
+                </a:solidFill>
+              </a:rPr>
+              <a:t>敏锐</a:t>
+            </a:r>
+            <a:r>
+              <a:rPr lang="zh-CN" altLang="en-US" sz="2800" dirty="0"/>
+              <a:t>的认识</a:t>
+            </a:r>
+          </a:p>
+          <a:p>
+            <a:r>
+              <a:rPr lang="zh-CN" altLang="en-US" sz="2800" dirty="0"/>
+              <a:t>对</a:t>
+            </a:r>
+            <a:r>
+              <a:rPr lang="zh-CN" altLang="en-US" sz="2800" dirty="0">
+                <a:solidFill>
+                  <a:srgbClr val="C00000"/>
+                </a:solidFill>
+              </a:rPr>
+              <a:t>时间</a:t>
+            </a:r>
+            <a:r>
+              <a:rPr lang="zh-CN" altLang="en-US" sz="2800" dirty="0"/>
+              <a:t>和计</a:t>
+            </a:r>
+            <a:r>
+              <a:rPr lang="zh-CN" altLang="en-US" sz="2800" dirty="0">
+                <a:solidFill>
+                  <a:srgbClr val="C00000"/>
+                </a:solidFill>
+              </a:rPr>
+              <a:t>划</a:t>
+            </a:r>
+            <a:r>
+              <a:rPr lang="zh-CN" altLang="en-US" sz="2800" dirty="0"/>
+              <a:t>有敏锐的感知，能够跟踪和排列复杂任务的优先级</a:t>
             </a:r>
           </a:p>
           <a:p>
@@ -17134,7 +17399,27 @@
           <a:p>
             <a:r>
               <a:rPr lang="zh-CN" altLang="en-US" sz="2800" dirty="0"/>
-              <a:t>能够快速且自信地做出决定，愿意做出权衡</a:t>
+              <a:t>能够快速且自信地做出</a:t>
+            </a:r>
+            <a:r>
+              <a:rPr lang="zh-CN" altLang="en-US" sz="2800" dirty="0">
+                <a:solidFill>
+                  <a:srgbClr val="C00000"/>
+                </a:solidFill>
+              </a:rPr>
+              <a:t>决定</a:t>
+            </a:r>
+            <a:r>
+              <a:rPr lang="zh-CN" altLang="en-US" sz="2800" dirty="0"/>
+              <a:t>，愿意做出</a:t>
+            </a:r>
+            <a:r>
+              <a:rPr lang="zh-CN" altLang="en-US" sz="2800" dirty="0">
+                <a:solidFill>
+                  <a:srgbClr val="C00000"/>
+                </a:solidFill>
+              </a:rPr>
+              <a:t>权衡</a:t>
             </a:r>
           </a:p>
           <a:p>
